--- a/ppt 16-9/0663.主内喜乐.pptx
+++ b/ppt 16-9/0663.主内喜乐.pptx
@@ -129,7 +129,7 @@
           <p:cNvPr id="2" name="标题 1">
             <a:extLst>
               <a:ext uri="{FF2B5EF4-FFF2-40B4-BE49-F238E27FC236}">
-                <a16:creationId xmlns:a16="http://schemas.microsoft.com/office/drawing/2014/main" id="{BAA594EE-D086-AE3E-A968-5A11FB851677}"/>
+                <a16:creationId xmlns:a16="http://schemas.microsoft.com/office/drawing/2014/main" id="{06BA0093-57C6-7FB2-C6BA-BCBCF346E595}"/>
               </a:ext>
             </a:extLst>
           </p:cNvPr>
@@ -166,7 +166,7 @@
           <p:cNvPr id="3" name="副标题 2">
             <a:extLst>
               <a:ext uri="{FF2B5EF4-FFF2-40B4-BE49-F238E27FC236}">
-                <a16:creationId xmlns:a16="http://schemas.microsoft.com/office/drawing/2014/main" id="{A314E010-262F-0DD3-0948-E301784D14C7}"/>
+                <a16:creationId xmlns:a16="http://schemas.microsoft.com/office/drawing/2014/main" id="{3C01FDF6-ACF0-B85B-BA87-2ACA56156239}"/>
               </a:ext>
             </a:extLst>
           </p:cNvPr>
@@ -236,7 +236,7 @@
           <p:cNvPr id="4" name="日期占位符 3">
             <a:extLst>
               <a:ext uri="{FF2B5EF4-FFF2-40B4-BE49-F238E27FC236}">
-                <a16:creationId xmlns:a16="http://schemas.microsoft.com/office/drawing/2014/main" id="{967AC0A1-8030-1DAF-FCC5-80B6D6C7CA3E}"/>
+                <a16:creationId xmlns:a16="http://schemas.microsoft.com/office/drawing/2014/main" id="{3B0A6533-B8E5-3316-8888-618421551253}"/>
               </a:ext>
             </a:extLst>
           </p:cNvPr>
@@ -252,7 +252,7 @@
           <a:bodyPr/>
           <a:lstStyle/>
           <a:p>
-            <a:fld id="{F969DD0D-9BAF-459C-A65A-60378F6176FD}" type="datetimeFigureOut">
+            <a:fld id="{08AFDF9A-F6F8-4FE6-9A26-46230180D45D}" type="datetimeFigureOut">
               <a:rPr lang="zh-CN" altLang="en-US" smtClean="0"/>
               <a:t>2024/3/10</a:t>
             </a:fld>
@@ -265,7 +265,7 @@
           <p:cNvPr id="5" name="页脚占位符 4">
             <a:extLst>
               <a:ext uri="{FF2B5EF4-FFF2-40B4-BE49-F238E27FC236}">
-                <a16:creationId xmlns:a16="http://schemas.microsoft.com/office/drawing/2014/main" id="{13346D24-57C3-3F1A-2855-25DE68C222B1}"/>
+                <a16:creationId xmlns:a16="http://schemas.microsoft.com/office/drawing/2014/main" id="{43D62227-12FB-E5AA-DF73-C026E7C5997F}"/>
               </a:ext>
             </a:extLst>
           </p:cNvPr>
@@ -290,7 +290,7 @@
           <p:cNvPr id="6" name="灯片编号占位符 5">
             <a:extLst>
               <a:ext uri="{FF2B5EF4-FFF2-40B4-BE49-F238E27FC236}">
-                <a16:creationId xmlns:a16="http://schemas.microsoft.com/office/drawing/2014/main" id="{87F005A0-C00A-2246-2939-2FC3722D8380}"/>
+                <a16:creationId xmlns:a16="http://schemas.microsoft.com/office/drawing/2014/main" id="{5F7BCE6A-AEC9-6BDE-65FF-AF9C8011E2D8}"/>
               </a:ext>
             </a:extLst>
           </p:cNvPr>
@@ -306,7 +306,7 @@
           <a:bodyPr/>
           <a:lstStyle/>
           <a:p>
-            <a:fld id="{ACC43538-E1DB-447C-97FC-C168A456B3AE}" type="slidenum">
+            <a:fld id="{FE5F20F4-AE1D-4AEC-AC29-B93402830956}" type="slidenum">
               <a:rPr lang="zh-CN" altLang="en-US" smtClean="0"/>
               <a:t>‹#›</a:t>
             </a:fld>
@@ -317,7 +317,7 @@
     </p:spTree>
     <p:extLst>
       <p:ext uri="{BB962C8B-B14F-4D97-AF65-F5344CB8AC3E}">
-        <p14:creationId xmlns:p14="http://schemas.microsoft.com/office/powerpoint/2010/main" val="2422565256"/>
+        <p14:creationId xmlns:p14="http://schemas.microsoft.com/office/powerpoint/2010/main" val="1257063890"/>
       </p:ext>
     </p:extLst>
   </p:cSld>
@@ -349,7 +349,7 @@
           <p:cNvPr id="2" name="标题 1">
             <a:extLst>
               <a:ext uri="{FF2B5EF4-FFF2-40B4-BE49-F238E27FC236}">
-                <a16:creationId xmlns:a16="http://schemas.microsoft.com/office/drawing/2014/main" id="{9F640AF8-057B-A721-DAAD-7FC70517222B}"/>
+                <a16:creationId xmlns:a16="http://schemas.microsoft.com/office/drawing/2014/main" id="{8875A11A-7E08-889A-0DEC-D70F6E4B6389}"/>
               </a:ext>
             </a:extLst>
           </p:cNvPr>
@@ -377,7 +377,7 @@
           <p:cNvPr id="3" name="竖排文字占位符 2">
             <a:extLst>
               <a:ext uri="{FF2B5EF4-FFF2-40B4-BE49-F238E27FC236}">
-                <a16:creationId xmlns:a16="http://schemas.microsoft.com/office/drawing/2014/main" id="{0775087D-FFEA-15B8-D582-4EBA0932C9B8}"/>
+                <a16:creationId xmlns:a16="http://schemas.microsoft.com/office/drawing/2014/main" id="{2B390352-D1FB-E93B-0F41-6EE883F7B7A0}"/>
               </a:ext>
             </a:extLst>
           </p:cNvPr>
@@ -434,7 +434,7 @@
           <p:cNvPr id="4" name="日期占位符 3">
             <a:extLst>
               <a:ext uri="{FF2B5EF4-FFF2-40B4-BE49-F238E27FC236}">
-                <a16:creationId xmlns:a16="http://schemas.microsoft.com/office/drawing/2014/main" id="{2BF32422-8BC3-DC26-F2B7-DCE0AC0E4B2D}"/>
+                <a16:creationId xmlns:a16="http://schemas.microsoft.com/office/drawing/2014/main" id="{6D37FDF0-8094-3C5B-BAA0-CE58F1971BE0}"/>
               </a:ext>
             </a:extLst>
           </p:cNvPr>
@@ -450,7 +450,7 @@
           <a:bodyPr/>
           <a:lstStyle/>
           <a:p>
-            <a:fld id="{F969DD0D-9BAF-459C-A65A-60378F6176FD}" type="datetimeFigureOut">
+            <a:fld id="{08AFDF9A-F6F8-4FE6-9A26-46230180D45D}" type="datetimeFigureOut">
               <a:rPr lang="zh-CN" altLang="en-US" smtClean="0"/>
               <a:t>2024/3/10</a:t>
             </a:fld>
@@ -463,7 +463,7 @@
           <p:cNvPr id="5" name="页脚占位符 4">
             <a:extLst>
               <a:ext uri="{FF2B5EF4-FFF2-40B4-BE49-F238E27FC236}">
-                <a16:creationId xmlns:a16="http://schemas.microsoft.com/office/drawing/2014/main" id="{1A0B9058-BE6F-155A-D1CC-EAF837A28A2C}"/>
+                <a16:creationId xmlns:a16="http://schemas.microsoft.com/office/drawing/2014/main" id="{46AECED0-43D1-EA34-4D32-6CA0896F5207}"/>
               </a:ext>
             </a:extLst>
           </p:cNvPr>
@@ -488,7 +488,7 @@
           <p:cNvPr id="6" name="灯片编号占位符 5">
             <a:extLst>
               <a:ext uri="{FF2B5EF4-FFF2-40B4-BE49-F238E27FC236}">
-                <a16:creationId xmlns:a16="http://schemas.microsoft.com/office/drawing/2014/main" id="{BBCDA5B3-9EDD-9264-80A2-A771C40EF0FA}"/>
+                <a16:creationId xmlns:a16="http://schemas.microsoft.com/office/drawing/2014/main" id="{216AB9AD-4D5E-E782-A882-2D996059EDB5}"/>
               </a:ext>
             </a:extLst>
           </p:cNvPr>
@@ -504,7 +504,7 @@
           <a:bodyPr/>
           <a:lstStyle/>
           <a:p>
-            <a:fld id="{ACC43538-E1DB-447C-97FC-C168A456B3AE}" type="slidenum">
+            <a:fld id="{FE5F20F4-AE1D-4AEC-AC29-B93402830956}" type="slidenum">
               <a:rPr lang="zh-CN" altLang="en-US" smtClean="0"/>
               <a:t>‹#›</a:t>
             </a:fld>
@@ -515,7 +515,7 @@
     </p:spTree>
     <p:extLst>
       <p:ext uri="{BB962C8B-B14F-4D97-AF65-F5344CB8AC3E}">
-        <p14:creationId xmlns:p14="http://schemas.microsoft.com/office/powerpoint/2010/main" val="2461467412"/>
+        <p14:creationId xmlns:p14="http://schemas.microsoft.com/office/powerpoint/2010/main" val="1542452334"/>
       </p:ext>
     </p:extLst>
   </p:cSld>
@@ -547,7 +547,7 @@
           <p:cNvPr id="2" name="竖排标题 1">
             <a:extLst>
               <a:ext uri="{FF2B5EF4-FFF2-40B4-BE49-F238E27FC236}">
-                <a16:creationId xmlns:a16="http://schemas.microsoft.com/office/drawing/2014/main" id="{2D744547-30CA-EB71-28D7-B2A7B6A00171}"/>
+                <a16:creationId xmlns:a16="http://schemas.microsoft.com/office/drawing/2014/main" id="{3E563CAA-F2A5-B315-EBBE-DC1A35865170}"/>
               </a:ext>
             </a:extLst>
           </p:cNvPr>
@@ -580,7 +580,7 @@
           <p:cNvPr id="3" name="竖排文字占位符 2">
             <a:extLst>
               <a:ext uri="{FF2B5EF4-FFF2-40B4-BE49-F238E27FC236}">
-                <a16:creationId xmlns:a16="http://schemas.microsoft.com/office/drawing/2014/main" id="{85DFA6A5-EAD0-D847-1FBF-A972E0F6F82E}"/>
+                <a16:creationId xmlns:a16="http://schemas.microsoft.com/office/drawing/2014/main" id="{9BB0D840-37E1-66D3-ECFF-6F7B20A4085E}"/>
               </a:ext>
             </a:extLst>
           </p:cNvPr>
@@ -642,7 +642,7 @@
           <p:cNvPr id="4" name="日期占位符 3">
             <a:extLst>
               <a:ext uri="{FF2B5EF4-FFF2-40B4-BE49-F238E27FC236}">
-                <a16:creationId xmlns:a16="http://schemas.microsoft.com/office/drawing/2014/main" id="{18D67B0A-39EF-FE45-494B-BB4EAD33EE08}"/>
+                <a16:creationId xmlns:a16="http://schemas.microsoft.com/office/drawing/2014/main" id="{1BC74783-B98E-9CCB-CADC-A1291975F7B5}"/>
               </a:ext>
             </a:extLst>
           </p:cNvPr>
@@ -658,7 +658,7 @@
           <a:bodyPr/>
           <a:lstStyle/>
           <a:p>
-            <a:fld id="{F969DD0D-9BAF-459C-A65A-60378F6176FD}" type="datetimeFigureOut">
+            <a:fld id="{08AFDF9A-F6F8-4FE6-9A26-46230180D45D}" type="datetimeFigureOut">
               <a:rPr lang="zh-CN" altLang="en-US" smtClean="0"/>
               <a:t>2024/3/10</a:t>
             </a:fld>
@@ -671,7 +671,7 @@
           <p:cNvPr id="5" name="页脚占位符 4">
             <a:extLst>
               <a:ext uri="{FF2B5EF4-FFF2-40B4-BE49-F238E27FC236}">
-                <a16:creationId xmlns:a16="http://schemas.microsoft.com/office/drawing/2014/main" id="{CB6D0760-74C0-80D7-DD3F-4F0983396551}"/>
+                <a16:creationId xmlns:a16="http://schemas.microsoft.com/office/drawing/2014/main" id="{84898A46-C0EA-9800-913C-5F9DF03629BE}"/>
               </a:ext>
             </a:extLst>
           </p:cNvPr>
@@ -696,7 +696,7 @@
           <p:cNvPr id="6" name="灯片编号占位符 5">
             <a:extLst>
               <a:ext uri="{FF2B5EF4-FFF2-40B4-BE49-F238E27FC236}">
-                <a16:creationId xmlns:a16="http://schemas.microsoft.com/office/drawing/2014/main" id="{D0CD1612-E07D-7A56-699F-5E83AB8F3B03}"/>
+                <a16:creationId xmlns:a16="http://schemas.microsoft.com/office/drawing/2014/main" id="{A6D442E8-73A5-3599-124F-30E3A0E0C4F5}"/>
               </a:ext>
             </a:extLst>
           </p:cNvPr>
@@ -712,7 +712,7 @@
           <a:bodyPr/>
           <a:lstStyle/>
           <a:p>
-            <a:fld id="{ACC43538-E1DB-447C-97FC-C168A456B3AE}" type="slidenum">
+            <a:fld id="{FE5F20F4-AE1D-4AEC-AC29-B93402830956}" type="slidenum">
               <a:rPr lang="zh-CN" altLang="en-US" smtClean="0"/>
               <a:t>‹#›</a:t>
             </a:fld>
@@ -723,7 +723,7 @@
     </p:spTree>
     <p:extLst>
       <p:ext uri="{BB962C8B-B14F-4D97-AF65-F5344CB8AC3E}">
-        <p14:creationId xmlns:p14="http://schemas.microsoft.com/office/powerpoint/2010/main" val="3721552836"/>
+        <p14:creationId xmlns:p14="http://schemas.microsoft.com/office/powerpoint/2010/main" val="1015403055"/>
       </p:ext>
     </p:extLst>
   </p:cSld>
@@ -755,7 +755,7 @@
           <p:cNvPr id="2" name="标题 1">
             <a:extLst>
               <a:ext uri="{FF2B5EF4-FFF2-40B4-BE49-F238E27FC236}">
-                <a16:creationId xmlns:a16="http://schemas.microsoft.com/office/drawing/2014/main" id="{049D2399-C9EB-C85F-37C6-6F7AB9B8EE77}"/>
+                <a16:creationId xmlns:a16="http://schemas.microsoft.com/office/drawing/2014/main" id="{5F4A5F44-A134-56EF-E488-1BA4A4420AF2}"/>
               </a:ext>
             </a:extLst>
           </p:cNvPr>
@@ -783,7 +783,7 @@
           <p:cNvPr id="3" name="内容占位符 2">
             <a:extLst>
               <a:ext uri="{FF2B5EF4-FFF2-40B4-BE49-F238E27FC236}">
-                <a16:creationId xmlns:a16="http://schemas.microsoft.com/office/drawing/2014/main" id="{FA680293-4C9A-0EA4-79F6-988F0A823F40}"/>
+                <a16:creationId xmlns:a16="http://schemas.microsoft.com/office/drawing/2014/main" id="{74885B65-62D3-5B19-BE99-B0612AE8CE03}"/>
               </a:ext>
             </a:extLst>
           </p:cNvPr>
@@ -840,7 +840,7 @@
           <p:cNvPr id="4" name="日期占位符 3">
             <a:extLst>
               <a:ext uri="{FF2B5EF4-FFF2-40B4-BE49-F238E27FC236}">
-                <a16:creationId xmlns:a16="http://schemas.microsoft.com/office/drawing/2014/main" id="{4D2342ED-1945-9D32-7A85-DE608F9826B7}"/>
+                <a16:creationId xmlns:a16="http://schemas.microsoft.com/office/drawing/2014/main" id="{CAC11503-D788-5ACD-23E7-D1B2EB74ADEC}"/>
               </a:ext>
             </a:extLst>
           </p:cNvPr>
@@ -856,7 +856,7 @@
           <a:bodyPr/>
           <a:lstStyle/>
           <a:p>
-            <a:fld id="{F969DD0D-9BAF-459C-A65A-60378F6176FD}" type="datetimeFigureOut">
+            <a:fld id="{08AFDF9A-F6F8-4FE6-9A26-46230180D45D}" type="datetimeFigureOut">
               <a:rPr lang="zh-CN" altLang="en-US" smtClean="0"/>
               <a:t>2024/3/10</a:t>
             </a:fld>
@@ -869,7 +869,7 @@
           <p:cNvPr id="5" name="页脚占位符 4">
             <a:extLst>
               <a:ext uri="{FF2B5EF4-FFF2-40B4-BE49-F238E27FC236}">
-                <a16:creationId xmlns:a16="http://schemas.microsoft.com/office/drawing/2014/main" id="{42A3C059-C4C7-F415-B51F-ACED228EB4C2}"/>
+                <a16:creationId xmlns:a16="http://schemas.microsoft.com/office/drawing/2014/main" id="{33851ABE-7BE4-620E-01E2-D1E40034DAE6}"/>
               </a:ext>
             </a:extLst>
           </p:cNvPr>
@@ -894,7 +894,7 @@
           <p:cNvPr id="6" name="灯片编号占位符 5">
             <a:extLst>
               <a:ext uri="{FF2B5EF4-FFF2-40B4-BE49-F238E27FC236}">
-                <a16:creationId xmlns:a16="http://schemas.microsoft.com/office/drawing/2014/main" id="{2726553B-16BD-351C-7EB4-C9D9363C162F}"/>
+                <a16:creationId xmlns:a16="http://schemas.microsoft.com/office/drawing/2014/main" id="{72D38005-28E9-DA9D-CD31-B7C8952B64C2}"/>
               </a:ext>
             </a:extLst>
           </p:cNvPr>
@@ -910,7 +910,7 @@
           <a:bodyPr/>
           <a:lstStyle/>
           <a:p>
-            <a:fld id="{ACC43538-E1DB-447C-97FC-C168A456B3AE}" type="slidenum">
+            <a:fld id="{FE5F20F4-AE1D-4AEC-AC29-B93402830956}" type="slidenum">
               <a:rPr lang="zh-CN" altLang="en-US" smtClean="0"/>
               <a:t>‹#›</a:t>
             </a:fld>
@@ -921,7 +921,7 @@
     </p:spTree>
     <p:extLst>
       <p:ext uri="{BB962C8B-B14F-4D97-AF65-F5344CB8AC3E}">
-        <p14:creationId xmlns:p14="http://schemas.microsoft.com/office/powerpoint/2010/main" val="3887820107"/>
+        <p14:creationId xmlns:p14="http://schemas.microsoft.com/office/powerpoint/2010/main" val="2789073257"/>
       </p:ext>
     </p:extLst>
   </p:cSld>
@@ -953,7 +953,7 @@
           <p:cNvPr id="2" name="标题 1">
             <a:extLst>
               <a:ext uri="{FF2B5EF4-FFF2-40B4-BE49-F238E27FC236}">
-                <a16:creationId xmlns:a16="http://schemas.microsoft.com/office/drawing/2014/main" id="{5BD8EE57-3F46-E217-478F-DB31CF468CA8}"/>
+                <a16:creationId xmlns:a16="http://schemas.microsoft.com/office/drawing/2014/main" id="{ED3C5992-3B87-2866-11A6-204E899A78F5}"/>
               </a:ext>
             </a:extLst>
           </p:cNvPr>
@@ -990,7 +990,7 @@
           <p:cNvPr id="3" name="文本占位符 2">
             <a:extLst>
               <a:ext uri="{FF2B5EF4-FFF2-40B4-BE49-F238E27FC236}">
-                <a16:creationId xmlns:a16="http://schemas.microsoft.com/office/drawing/2014/main" id="{EA0CE32E-B306-3655-4327-E2A1B9DDCBD5}"/>
+                <a16:creationId xmlns:a16="http://schemas.microsoft.com/office/drawing/2014/main" id="{4C0F9D1D-DFD9-EF47-DF53-10FEDD248300}"/>
               </a:ext>
             </a:extLst>
           </p:cNvPr>
@@ -1115,7 +1115,7 @@
           <p:cNvPr id="4" name="日期占位符 3">
             <a:extLst>
               <a:ext uri="{FF2B5EF4-FFF2-40B4-BE49-F238E27FC236}">
-                <a16:creationId xmlns:a16="http://schemas.microsoft.com/office/drawing/2014/main" id="{30DD83BD-AC51-F19E-5B49-09CA466F4CD4}"/>
+                <a16:creationId xmlns:a16="http://schemas.microsoft.com/office/drawing/2014/main" id="{460DADD4-6DE1-827F-8593-55BE9871FAFB}"/>
               </a:ext>
             </a:extLst>
           </p:cNvPr>
@@ -1131,7 +1131,7 @@
           <a:bodyPr/>
           <a:lstStyle/>
           <a:p>
-            <a:fld id="{F969DD0D-9BAF-459C-A65A-60378F6176FD}" type="datetimeFigureOut">
+            <a:fld id="{08AFDF9A-F6F8-4FE6-9A26-46230180D45D}" type="datetimeFigureOut">
               <a:rPr lang="zh-CN" altLang="en-US" smtClean="0"/>
               <a:t>2024/3/10</a:t>
             </a:fld>
@@ -1144,7 +1144,7 @@
           <p:cNvPr id="5" name="页脚占位符 4">
             <a:extLst>
               <a:ext uri="{FF2B5EF4-FFF2-40B4-BE49-F238E27FC236}">
-                <a16:creationId xmlns:a16="http://schemas.microsoft.com/office/drawing/2014/main" id="{FFFE1AD7-3B9D-6BD5-9C89-AF220B38D8D1}"/>
+                <a16:creationId xmlns:a16="http://schemas.microsoft.com/office/drawing/2014/main" id="{1096F77F-2490-9CE5-34C0-C17DFA014E51}"/>
               </a:ext>
             </a:extLst>
           </p:cNvPr>
@@ -1169,7 +1169,7 @@
           <p:cNvPr id="6" name="灯片编号占位符 5">
             <a:extLst>
               <a:ext uri="{FF2B5EF4-FFF2-40B4-BE49-F238E27FC236}">
-                <a16:creationId xmlns:a16="http://schemas.microsoft.com/office/drawing/2014/main" id="{A2FFC2A2-C50D-9B4C-AB2D-4A05DC78C1A7}"/>
+                <a16:creationId xmlns:a16="http://schemas.microsoft.com/office/drawing/2014/main" id="{AF74ADD6-AF57-50B5-2714-719A45EA7472}"/>
               </a:ext>
             </a:extLst>
           </p:cNvPr>
@@ -1185,7 +1185,7 @@
           <a:bodyPr/>
           <a:lstStyle/>
           <a:p>
-            <a:fld id="{ACC43538-E1DB-447C-97FC-C168A456B3AE}" type="slidenum">
+            <a:fld id="{FE5F20F4-AE1D-4AEC-AC29-B93402830956}" type="slidenum">
               <a:rPr lang="zh-CN" altLang="en-US" smtClean="0"/>
               <a:t>‹#›</a:t>
             </a:fld>
@@ -1196,7 +1196,7 @@
     </p:spTree>
     <p:extLst>
       <p:ext uri="{BB962C8B-B14F-4D97-AF65-F5344CB8AC3E}">
-        <p14:creationId xmlns:p14="http://schemas.microsoft.com/office/powerpoint/2010/main" val="450976411"/>
+        <p14:creationId xmlns:p14="http://schemas.microsoft.com/office/powerpoint/2010/main" val="579373647"/>
       </p:ext>
     </p:extLst>
   </p:cSld>
@@ -1228,7 +1228,7 @@
           <p:cNvPr id="2" name="标题 1">
             <a:extLst>
               <a:ext uri="{FF2B5EF4-FFF2-40B4-BE49-F238E27FC236}">
-                <a16:creationId xmlns:a16="http://schemas.microsoft.com/office/drawing/2014/main" id="{298C12EC-9C1B-282D-07E5-7EF11BB31D3F}"/>
+                <a16:creationId xmlns:a16="http://schemas.microsoft.com/office/drawing/2014/main" id="{F71E67C0-711A-FE34-8405-A17DBB621A4A}"/>
               </a:ext>
             </a:extLst>
           </p:cNvPr>
@@ -1256,7 +1256,7 @@
           <p:cNvPr id="3" name="内容占位符 2">
             <a:extLst>
               <a:ext uri="{FF2B5EF4-FFF2-40B4-BE49-F238E27FC236}">
-                <a16:creationId xmlns:a16="http://schemas.microsoft.com/office/drawing/2014/main" id="{72A277B7-7ED3-8605-2F59-37E1B2953F2E}"/>
+                <a16:creationId xmlns:a16="http://schemas.microsoft.com/office/drawing/2014/main" id="{81739EED-7C4C-6D70-9C45-3FCEEA9511CE}"/>
               </a:ext>
             </a:extLst>
           </p:cNvPr>
@@ -1318,7 +1318,7 @@
           <p:cNvPr id="4" name="内容占位符 3">
             <a:extLst>
               <a:ext uri="{FF2B5EF4-FFF2-40B4-BE49-F238E27FC236}">
-                <a16:creationId xmlns:a16="http://schemas.microsoft.com/office/drawing/2014/main" id="{D595D999-DD2F-A779-DB9E-0B2A7EA31B81}"/>
+                <a16:creationId xmlns:a16="http://schemas.microsoft.com/office/drawing/2014/main" id="{1F7B1703-7744-CFBE-8EFF-987A2CFB8A64}"/>
               </a:ext>
             </a:extLst>
           </p:cNvPr>
@@ -1380,7 +1380,7 @@
           <p:cNvPr id="5" name="日期占位符 4">
             <a:extLst>
               <a:ext uri="{FF2B5EF4-FFF2-40B4-BE49-F238E27FC236}">
-                <a16:creationId xmlns:a16="http://schemas.microsoft.com/office/drawing/2014/main" id="{F2CE2403-20EF-8F2B-0EAD-C4673194159C}"/>
+                <a16:creationId xmlns:a16="http://schemas.microsoft.com/office/drawing/2014/main" id="{A6D8A808-DE7C-E92A-A28E-07AFE39D3FB8}"/>
               </a:ext>
             </a:extLst>
           </p:cNvPr>
@@ -1396,7 +1396,7 @@
           <a:bodyPr/>
           <a:lstStyle/>
           <a:p>
-            <a:fld id="{F969DD0D-9BAF-459C-A65A-60378F6176FD}" type="datetimeFigureOut">
+            <a:fld id="{08AFDF9A-F6F8-4FE6-9A26-46230180D45D}" type="datetimeFigureOut">
               <a:rPr lang="zh-CN" altLang="en-US" smtClean="0"/>
               <a:t>2024/3/10</a:t>
             </a:fld>
@@ -1409,7 +1409,7 @@
           <p:cNvPr id="6" name="页脚占位符 5">
             <a:extLst>
               <a:ext uri="{FF2B5EF4-FFF2-40B4-BE49-F238E27FC236}">
-                <a16:creationId xmlns:a16="http://schemas.microsoft.com/office/drawing/2014/main" id="{BE8D0032-56E9-5265-74AD-4D20C86731EE}"/>
+                <a16:creationId xmlns:a16="http://schemas.microsoft.com/office/drawing/2014/main" id="{4980B379-055F-437E-34DC-F875E638B355}"/>
               </a:ext>
             </a:extLst>
           </p:cNvPr>
@@ -1434,7 +1434,7 @@
           <p:cNvPr id="7" name="灯片编号占位符 6">
             <a:extLst>
               <a:ext uri="{FF2B5EF4-FFF2-40B4-BE49-F238E27FC236}">
-                <a16:creationId xmlns:a16="http://schemas.microsoft.com/office/drawing/2014/main" id="{E3F74C17-8BF6-1513-7DBF-24CF380309DD}"/>
+                <a16:creationId xmlns:a16="http://schemas.microsoft.com/office/drawing/2014/main" id="{F11167AB-DA89-D29F-6AAF-85DCD1612670}"/>
               </a:ext>
             </a:extLst>
           </p:cNvPr>
@@ -1450,7 +1450,7 @@
           <a:bodyPr/>
           <a:lstStyle/>
           <a:p>
-            <a:fld id="{ACC43538-E1DB-447C-97FC-C168A456B3AE}" type="slidenum">
+            <a:fld id="{FE5F20F4-AE1D-4AEC-AC29-B93402830956}" type="slidenum">
               <a:rPr lang="zh-CN" altLang="en-US" smtClean="0"/>
               <a:t>‹#›</a:t>
             </a:fld>
@@ -1461,7 +1461,7 @@
     </p:spTree>
     <p:extLst>
       <p:ext uri="{BB962C8B-B14F-4D97-AF65-F5344CB8AC3E}">
-        <p14:creationId xmlns:p14="http://schemas.microsoft.com/office/powerpoint/2010/main" val="3665213488"/>
+        <p14:creationId xmlns:p14="http://schemas.microsoft.com/office/powerpoint/2010/main" val="864444182"/>
       </p:ext>
     </p:extLst>
   </p:cSld>
@@ -1493,7 +1493,7 @@
           <p:cNvPr id="2" name="标题 1">
             <a:extLst>
               <a:ext uri="{FF2B5EF4-FFF2-40B4-BE49-F238E27FC236}">
-                <a16:creationId xmlns:a16="http://schemas.microsoft.com/office/drawing/2014/main" id="{9DE86FC7-9A66-52F7-AC97-294C1E4F208E}"/>
+                <a16:creationId xmlns:a16="http://schemas.microsoft.com/office/drawing/2014/main" id="{B6F5A8C8-5612-889C-0AB8-2DCEA916C1E9}"/>
               </a:ext>
             </a:extLst>
           </p:cNvPr>
@@ -1526,7 +1526,7 @@
           <p:cNvPr id="3" name="文本占位符 2">
             <a:extLst>
               <a:ext uri="{FF2B5EF4-FFF2-40B4-BE49-F238E27FC236}">
-                <a16:creationId xmlns:a16="http://schemas.microsoft.com/office/drawing/2014/main" id="{618F0CE7-FDD6-755D-8D41-B7A6FF19A397}"/>
+                <a16:creationId xmlns:a16="http://schemas.microsoft.com/office/drawing/2014/main" id="{0F257238-2457-EC34-B52F-778CA1D7550B}"/>
               </a:ext>
             </a:extLst>
           </p:cNvPr>
@@ -1597,7 +1597,7 @@
           <p:cNvPr id="4" name="内容占位符 3">
             <a:extLst>
               <a:ext uri="{FF2B5EF4-FFF2-40B4-BE49-F238E27FC236}">
-                <a16:creationId xmlns:a16="http://schemas.microsoft.com/office/drawing/2014/main" id="{618DFC3E-70FA-CCEC-4112-23322DE2817F}"/>
+                <a16:creationId xmlns:a16="http://schemas.microsoft.com/office/drawing/2014/main" id="{46EFBE47-F585-C604-3C66-234FE8A4574C}"/>
               </a:ext>
             </a:extLst>
           </p:cNvPr>
@@ -1659,7 +1659,7 @@
           <p:cNvPr id="5" name="文本占位符 4">
             <a:extLst>
               <a:ext uri="{FF2B5EF4-FFF2-40B4-BE49-F238E27FC236}">
-                <a16:creationId xmlns:a16="http://schemas.microsoft.com/office/drawing/2014/main" id="{F0DBD3BF-8E3A-75C3-452E-A029CA47AFD6}"/>
+                <a16:creationId xmlns:a16="http://schemas.microsoft.com/office/drawing/2014/main" id="{2EE17257-4753-78A7-8C3E-525653A05EEE}"/>
               </a:ext>
             </a:extLst>
           </p:cNvPr>
@@ -1730,7 +1730,7 @@
           <p:cNvPr id="6" name="内容占位符 5">
             <a:extLst>
               <a:ext uri="{FF2B5EF4-FFF2-40B4-BE49-F238E27FC236}">
-                <a16:creationId xmlns:a16="http://schemas.microsoft.com/office/drawing/2014/main" id="{6AD36124-4859-B027-68EC-40220A727CE6}"/>
+                <a16:creationId xmlns:a16="http://schemas.microsoft.com/office/drawing/2014/main" id="{9C62A9A6-6291-2189-2DA6-CA073E5B42FF}"/>
               </a:ext>
             </a:extLst>
           </p:cNvPr>
@@ -1792,7 +1792,7 @@
           <p:cNvPr id="7" name="日期占位符 6">
             <a:extLst>
               <a:ext uri="{FF2B5EF4-FFF2-40B4-BE49-F238E27FC236}">
-                <a16:creationId xmlns:a16="http://schemas.microsoft.com/office/drawing/2014/main" id="{2E106BAD-C67F-E803-205B-34AE3B55A667}"/>
+                <a16:creationId xmlns:a16="http://schemas.microsoft.com/office/drawing/2014/main" id="{5D096985-5DCC-5232-2C6A-C453D12730F7}"/>
               </a:ext>
             </a:extLst>
           </p:cNvPr>
@@ -1808,7 +1808,7 @@
           <a:bodyPr/>
           <a:lstStyle/>
           <a:p>
-            <a:fld id="{F969DD0D-9BAF-459C-A65A-60378F6176FD}" type="datetimeFigureOut">
+            <a:fld id="{08AFDF9A-F6F8-4FE6-9A26-46230180D45D}" type="datetimeFigureOut">
               <a:rPr lang="zh-CN" altLang="en-US" smtClean="0"/>
               <a:t>2024/3/10</a:t>
             </a:fld>
@@ -1821,7 +1821,7 @@
           <p:cNvPr id="8" name="页脚占位符 7">
             <a:extLst>
               <a:ext uri="{FF2B5EF4-FFF2-40B4-BE49-F238E27FC236}">
-                <a16:creationId xmlns:a16="http://schemas.microsoft.com/office/drawing/2014/main" id="{83B09258-E40C-F8F8-E15A-29A6C9F98786}"/>
+                <a16:creationId xmlns:a16="http://schemas.microsoft.com/office/drawing/2014/main" id="{76BB9EBF-02EA-F2A7-87E6-2E8C899CE72C}"/>
               </a:ext>
             </a:extLst>
           </p:cNvPr>
@@ -1846,7 +1846,7 @@
           <p:cNvPr id="9" name="灯片编号占位符 8">
             <a:extLst>
               <a:ext uri="{FF2B5EF4-FFF2-40B4-BE49-F238E27FC236}">
-                <a16:creationId xmlns:a16="http://schemas.microsoft.com/office/drawing/2014/main" id="{EC192883-817D-C09A-170B-1A8422846AB8}"/>
+                <a16:creationId xmlns:a16="http://schemas.microsoft.com/office/drawing/2014/main" id="{B6DB21BD-1602-F8AA-4872-D484F2F1ED6A}"/>
               </a:ext>
             </a:extLst>
           </p:cNvPr>
@@ -1862,7 +1862,7 @@
           <a:bodyPr/>
           <a:lstStyle/>
           <a:p>
-            <a:fld id="{ACC43538-E1DB-447C-97FC-C168A456B3AE}" type="slidenum">
+            <a:fld id="{FE5F20F4-AE1D-4AEC-AC29-B93402830956}" type="slidenum">
               <a:rPr lang="zh-CN" altLang="en-US" smtClean="0"/>
               <a:t>‹#›</a:t>
             </a:fld>
@@ -1873,7 +1873,7 @@
     </p:spTree>
     <p:extLst>
       <p:ext uri="{BB962C8B-B14F-4D97-AF65-F5344CB8AC3E}">
-        <p14:creationId xmlns:p14="http://schemas.microsoft.com/office/powerpoint/2010/main" val="1965876152"/>
+        <p14:creationId xmlns:p14="http://schemas.microsoft.com/office/powerpoint/2010/main" val="2354982569"/>
       </p:ext>
     </p:extLst>
   </p:cSld>
@@ -1905,7 +1905,7 @@
           <p:cNvPr id="2" name="标题 1">
             <a:extLst>
               <a:ext uri="{FF2B5EF4-FFF2-40B4-BE49-F238E27FC236}">
-                <a16:creationId xmlns:a16="http://schemas.microsoft.com/office/drawing/2014/main" id="{D4B3B94D-93D5-6CF3-0A7C-E8E152F2910D}"/>
+                <a16:creationId xmlns:a16="http://schemas.microsoft.com/office/drawing/2014/main" id="{07E7C5E3-F486-F390-A08E-3503E0D2D646}"/>
               </a:ext>
             </a:extLst>
           </p:cNvPr>
@@ -1933,7 +1933,7 @@
           <p:cNvPr id="3" name="日期占位符 2">
             <a:extLst>
               <a:ext uri="{FF2B5EF4-FFF2-40B4-BE49-F238E27FC236}">
-                <a16:creationId xmlns:a16="http://schemas.microsoft.com/office/drawing/2014/main" id="{93D955A2-D349-1357-B46B-4614BB8066DA}"/>
+                <a16:creationId xmlns:a16="http://schemas.microsoft.com/office/drawing/2014/main" id="{AF098B24-62A8-C9D9-5AC0-D1DB6AA054ED}"/>
               </a:ext>
             </a:extLst>
           </p:cNvPr>
@@ -1949,7 +1949,7 @@
           <a:bodyPr/>
           <a:lstStyle/>
           <a:p>
-            <a:fld id="{F969DD0D-9BAF-459C-A65A-60378F6176FD}" type="datetimeFigureOut">
+            <a:fld id="{08AFDF9A-F6F8-4FE6-9A26-46230180D45D}" type="datetimeFigureOut">
               <a:rPr lang="zh-CN" altLang="en-US" smtClean="0"/>
               <a:t>2024/3/10</a:t>
             </a:fld>
@@ -1962,7 +1962,7 @@
           <p:cNvPr id="4" name="页脚占位符 3">
             <a:extLst>
               <a:ext uri="{FF2B5EF4-FFF2-40B4-BE49-F238E27FC236}">
-                <a16:creationId xmlns:a16="http://schemas.microsoft.com/office/drawing/2014/main" id="{6F42E62A-C8CD-2E5B-340B-CCF4F263E7D4}"/>
+                <a16:creationId xmlns:a16="http://schemas.microsoft.com/office/drawing/2014/main" id="{AAB93EEC-8C2B-235C-1134-44753F6117DE}"/>
               </a:ext>
             </a:extLst>
           </p:cNvPr>
@@ -1987,7 +1987,7 @@
           <p:cNvPr id="5" name="灯片编号占位符 4">
             <a:extLst>
               <a:ext uri="{FF2B5EF4-FFF2-40B4-BE49-F238E27FC236}">
-                <a16:creationId xmlns:a16="http://schemas.microsoft.com/office/drawing/2014/main" id="{6AB5E60F-832D-B8FB-45CF-6E6373F81301}"/>
+                <a16:creationId xmlns:a16="http://schemas.microsoft.com/office/drawing/2014/main" id="{649E8E35-8AA8-D8CB-5A1C-450AA131ABC8}"/>
               </a:ext>
             </a:extLst>
           </p:cNvPr>
@@ -2003,7 +2003,7 @@
           <a:bodyPr/>
           <a:lstStyle/>
           <a:p>
-            <a:fld id="{ACC43538-E1DB-447C-97FC-C168A456B3AE}" type="slidenum">
+            <a:fld id="{FE5F20F4-AE1D-4AEC-AC29-B93402830956}" type="slidenum">
               <a:rPr lang="zh-CN" altLang="en-US" smtClean="0"/>
               <a:t>‹#›</a:t>
             </a:fld>
@@ -2014,7 +2014,7 @@
     </p:spTree>
     <p:extLst>
       <p:ext uri="{BB962C8B-B14F-4D97-AF65-F5344CB8AC3E}">
-        <p14:creationId xmlns:p14="http://schemas.microsoft.com/office/powerpoint/2010/main" val="2169483367"/>
+        <p14:creationId xmlns:p14="http://schemas.microsoft.com/office/powerpoint/2010/main" val="523978416"/>
       </p:ext>
     </p:extLst>
   </p:cSld>
@@ -2046,7 +2046,7 @@
           <p:cNvPr id="2" name="日期占位符 1">
             <a:extLst>
               <a:ext uri="{FF2B5EF4-FFF2-40B4-BE49-F238E27FC236}">
-                <a16:creationId xmlns:a16="http://schemas.microsoft.com/office/drawing/2014/main" id="{C3C033D5-E58A-6423-31B3-77BB77C7B171}"/>
+                <a16:creationId xmlns:a16="http://schemas.microsoft.com/office/drawing/2014/main" id="{DC33DD1B-407A-E2D4-9DA7-C00C924A6AA1}"/>
               </a:ext>
             </a:extLst>
           </p:cNvPr>
@@ -2062,7 +2062,7 @@
           <a:bodyPr/>
           <a:lstStyle/>
           <a:p>
-            <a:fld id="{F969DD0D-9BAF-459C-A65A-60378F6176FD}" type="datetimeFigureOut">
+            <a:fld id="{08AFDF9A-F6F8-4FE6-9A26-46230180D45D}" type="datetimeFigureOut">
               <a:rPr lang="zh-CN" altLang="en-US" smtClean="0"/>
               <a:t>2024/3/10</a:t>
             </a:fld>
@@ -2075,7 +2075,7 @@
           <p:cNvPr id="3" name="页脚占位符 2">
             <a:extLst>
               <a:ext uri="{FF2B5EF4-FFF2-40B4-BE49-F238E27FC236}">
-                <a16:creationId xmlns:a16="http://schemas.microsoft.com/office/drawing/2014/main" id="{F1CA425F-0E86-8B54-AFDF-E3934D685FB3}"/>
+                <a16:creationId xmlns:a16="http://schemas.microsoft.com/office/drawing/2014/main" id="{856B4D7C-D6AB-C98B-E5D5-7E84E912F0E6}"/>
               </a:ext>
             </a:extLst>
           </p:cNvPr>
@@ -2100,7 +2100,7 @@
           <p:cNvPr id="4" name="灯片编号占位符 3">
             <a:extLst>
               <a:ext uri="{FF2B5EF4-FFF2-40B4-BE49-F238E27FC236}">
-                <a16:creationId xmlns:a16="http://schemas.microsoft.com/office/drawing/2014/main" id="{18A5C295-C5C9-111A-F30E-3DD3841851D3}"/>
+                <a16:creationId xmlns:a16="http://schemas.microsoft.com/office/drawing/2014/main" id="{9CD992FF-E2BF-9548-273C-E27793B0F023}"/>
               </a:ext>
             </a:extLst>
           </p:cNvPr>
@@ -2116,7 +2116,7 @@
           <a:bodyPr/>
           <a:lstStyle/>
           <a:p>
-            <a:fld id="{ACC43538-E1DB-447C-97FC-C168A456B3AE}" type="slidenum">
+            <a:fld id="{FE5F20F4-AE1D-4AEC-AC29-B93402830956}" type="slidenum">
               <a:rPr lang="zh-CN" altLang="en-US" smtClean="0"/>
               <a:t>‹#›</a:t>
             </a:fld>
@@ -2127,7 +2127,7 @@
     </p:spTree>
     <p:extLst>
       <p:ext uri="{BB962C8B-B14F-4D97-AF65-F5344CB8AC3E}">
-        <p14:creationId xmlns:p14="http://schemas.microsoft.com/office/powerpoint/2010/main" val="37871884"/>
+        <p14:creationId xmlns:p14="http://schemas.microsoft.com/office/powerpoint/2010/main" val="2028275219"/>
       </p:ext>
     </p:extLst>
   </p:cSld>
@@ -2159,7 +2159,7 @@
           <p:cNvPr id="2" name="标题 1">
             <a:extLst>
               <a:ext uri="{FF2B5EF4-FFF2-40B4-BE49-F238E27FC236}">
-                <a16:creationId xmlns:a16="http://schemas.microsoft.com/office/drawing/2014/main" id="{C1E28773-5FE8-CD77-22A1-12B4D7FFC0EC}"/>
+                <a16:creationId xmlns:a16="http://schemas.microsoft.com/office/drawing/2014/main" id="{9896DAB5-DC1F-DCDC-3AE8-5BF969C12439}"/>
               </a:ext>
             </a:extLst>
           </p:cNvPr>
@@ -2196,7 +2196,7 @@
           <p:cNvPr id="3" name="内容占位符 2">
             <a:extLst>
               <a:ext uri="{FF2B5EF4-FFF2-40B4-BE49-F238E27FC236}">
-                <a16:creationId xmlns:a16="http://schemas.microsoft.com/office/drawing/2014/main" id="{AEF92B7E-C35F-8893-F1A8-8E8ACE195A4E}"/>
+                <a16:creationId xmlns:a16="http://schemas.microsoft.com/office/drawing/2014/main" id="{C6F0D799-C551-FD5A-CB91-B1ED4AF0F768}"/>
               </a:ext>
             </a:extLst>
           </p:cNvPr>
@@ -2286,7 +2286,7 @@
           <p:cNvPr id="4" name="文本占位符 3">
             <a:extLst>
               <a:ext uri="{FF2B5EF4-FFF2-40B4-BE49-F238E27FC236}">
-                <a16:creationId xmlns:a16="http://schemas.microsoft.com/office/drawing/2014/main" id="{01DD3C69-C822-5DB3-95C6-4AEB6DFEA60C}"/>
+                <a16:creationId xmlns:a16="http://schemas.microsoft.com/office/drawing/2014/main" id="{FD3561D2-37CE-D344-315E-9374D7E298BE}"/>
               </a:ext>
             </a:extLst>
           </p:cNvPr>
@@ -2357,7 +2357,7 @@
           <p:cNvPr id="5" name="日期占位符 4">
             <a:extLst>
               <a:ext uri="{FF2B5EF4-FFF2-40B4-BE49-F238E27FC236}">
-                <a16:creationId xmlns:a16="http://schemas.microsoft.com/office/drawing/2014/main" id="{DBDE4BF7-9F2A-2095-3CF7-F823A8A504F6}"/>
+                <a16:creationId xmlns:a16="http://schemas.microsoft.com/office/drawing/2014/main" id="{4FF03099-72B5-8582-3BAF-E8C09864C224}"/>
               </a:ext>
             </a:extLst>
           </p:cNvPr>
@@ -2373,7 +2373,7 @@
           <a:bodyPr/>
           <a:lstStyle/>
           <a:p>
-            <a:fld id="{F969DD0D-9BAF-459C-A65A-60378F6176FD}" type="datetimeFigureOut">
+            <a:fld id="{08AFDF9A-F6F8-4FE6-9A26-46230180D45D}" type="datetimeFigureOut">
               <a:rPr lang="zh-CN" altLang="en-US" smtClean="0"/>
               <a:t>2024/3/10</a:t>
             </a:fld>
@@ -2386,7 +2386,7 @@
           <p:cNvPr id="6" name="页脚占位符 5">
             <a:extLst>
               <a:ext uri="{FF2B5EF4-FFF2-40B4-BE49-F238E27FC236}">
-                <a16:creationId xmlns:a16="http://schemas.microsoft.com/office/drawing/2014/main" id="{0DC559D1-03E3-481F-545A-7E031622AE2F}"/>
+                <a16:creationId xmlns:a16="http://schemas.microsoft.com/office/drawing/2014/main" id="{984CC469-6B7A-38E7-1686-A2A3BD677A49}"/>
               </a:ext>
             </a:extLst>
           </p:cNvPr>
@@ -2411,7 +2411,7 @@
           <p:cNvPr id="7" name="灯片编号占位符 6">
             <a:extLst>
               <a:ext uri="{FF2B5EF4-FFF2-40B4-BE49-F238E27FC236}">
-                <a16:creationId xmlns:a16="http://schemas.microsoft.com/office/drawing/2014/main" id="{EDB84CD6-B44F-7BE0-3535-CB148D7671DE}"/>
+                <a16:creationId xmlns:a16="http://schemas.microsoft.com/office/drawing/2014/main" id="{A9789546-850C-87C6-77B2-3FDA500F81D6}"/>
               </a:ext>
             </a:extLst>
           </p:cNvPr>
@@ -2427,7 +2427,7 @@
           <a:bodyPr/>
           <a:lstStyle/>
           <a:p>
-            <a:fld id="{ACC43538-E1DB-447C-97FC-C168A456B3AE}" type="slidenum">
+            <a:fld id="{FE5F20F4-AE1D-4AEC-AC29-B93402830956}" type="slidenum">
               <a:rPr lang="zh-CN" altLang="en-US" smtClean="0"/>
               <a:t>‹#›</a:t>
             </a:fld>
@@ -2438,7 +2438,7 @@
     </p:spTree>
     <p:extLst>
       <p:ext uri="{BB962C8B-B14F-4D97-AF65-F5344CB8AC3E}">
-        <p14:creationId xmlns:p14="http://schemas.microsoft.com/office/powerpoint/2010/main" val="3106310797"/>
+        <p14:creationId xmlns:p14="http://schemas.microsoft.com/office/powerpoint/2010/main" val="112594668"/>
       </p:ext>
     </p:extLst>
   </p:cSld>
@@ -2470,7 +2470,7 @@
           <p:cNvPr id="2" name="标题 1">
             <a:extLst>
               <a:ext uri="{FF2B5EF4-FFF2-40B4-BE49-F238E27FC236}">
-                <a16:creationId xmlns:a16="http://schemas.microsoft.com/office/drawing/2014/main" id="{139F8167-29D7-C8DA-8015-8ECE67C33EDD}"/>
+                <a16:creationId xmlns:a16="http://schemas.microsoft.com/office/drawing/2014/main" id="{3824DE5C-C17D-DEC4-4E29-56F4F766DEF8}"/>
               </a:ext>
             </a:extLst>
           </p:cNvPr>
@@ -2507,7 +2507,7 @@
           <p:cNvPr id="3" name="图片占位符 2">
             <a:extLst>
               <a:ext uri="{FF2B5EF4-FFF2-40B4-BE49-F238E27FC236}">
-                <a16:creationId xmlns:a16="http://schemas.microsoft.com/office/drawing/2014/main" id="{0D3237DF-F5C3-7DDC-33F8-778389FE7A18}"/>
+                <a16:creationId xmlns:a16="http://schemas.microsoft.com/office/drawing/2014/main" id="{774ABBEB-BB0D-F061-39CB-217EB9132AA3}"/>
               </a:ext>
             </a:extLst>
           </p:cNvPr>
@@ -2574,7 +2574,7 @@
           <p:cNvPr id="4" name="文本占位符 3">
             <a:extLst>
               <a:ext uri="{FF2B5EF4-FFF2-40B4-BE49-F238E27FC236}">
-                <a16:creationId xmlns:a16="http://schemas.microsoft.com/office/drawing/2014/main" id="{9938B58C-5A11-5362-82DB-FA83ABF72C57}"/>
+                <a16:creationId xmlns:a16="http://schemas.microsoft.com/office/drawing/2014/main" id="{735A94A0-F53C-D3DD-2A56-C15AB517753A}"/>
               </a:ext>
             </a:extLst>
           </p:cNvPr>
@@ -2645,7 +2645,7 @@
           <p:cNvPr id="5" name="日期占位符 4">
             <a:extLst>
               <a:ext uri="{FF2B5EF4-FFF2-40B4-BE49-F238E27FC236}">
-                <a16:creationId xmlns:a16="http://schemas.microsoft.com/office/drawing/2014/main" id="{DF65328C-3DCD-0605-BCBC-6E9DA9DD0D3D}"/>
+                <a16:creationId xmlns:a16="http://schemas.microsoft.com/office/drawing/2014/main" id="{0ED079AD-5EB8-21ED-B91C-F581E15BA3E1}"/>
               </a:ext>
             </a:extLst>
           </p:cNvPr>
@@ -2661,7 +2661,7 @@
           <a:bodyPr/>
           <a:lstStyle/>
           <a:p>
-            <a:fld id="{F969DD0D-9BAF-459C-A65A-60378F6176FD}" type="datetimeFigureOut">
+            <a:fld id="{08AFDF9A-F6F8-4FE6-9A26-46230180D45D}" type="datetimeFigureOut">
               <a:rPr lang="zh-CN" altLang="en-US" smtClean="0"/>
               <a:t>2024/3/10</a:t>
             </a:fld>
@@ -2674,7 +2674,7 @@
           <p:cNvPr id="6" name="页脚占位符 5">
             <a:extLst>
               <a:ext uri="{FF2B5EF4-FFF2-40B4-BE49-F238E27FC236}">
-                <a16:creationId xmlns:a16="http://schemas.microsoft.com/office/drawing/2014/main" id="{D6C85DD5-6318-D761-DEC7-074EEC7E4C0A}"/>
+                <a16:creationId xmlns:a16="http://schemas.microsoft.com/office/drawing/2014/main" id="{639AB2EE-CBEE-8F1D-3133-A629A43EC458}"/>
               </a:ext>
             </a:extLst>
           </p:cNvPr>
@@ -2699,7 +2699,7 @@
           <p:cNvPr id="7" name="灯片编号占位符 6">
             <a:extLst>
               <a:ext uri="{FF2B5EF4-FFF2-40B4-BE49-F238E27FC236}">
-                <a16:creationId xmlns:a16="http://schemas.microsoft.com/office/drawing/2014/main" id="{3C89686A-D567-327E-0B37-B5F0DB83FD92}"/>
+                <a16:creationId xmlns:a16="http://schemas.microsoft.com/office/drawing/2014/main" id="{6339949B-F59B-9E8F-CB37-CB2C2BBF2F13}"/>
               </a:ext>
             </a:extLst>
           </p:cNvPr>
@@ -2715,7 +2715,7 @@
           <a:bodyPr/>
           <a:lstStyle/>
           <a:p>
-            <a:fld id="{ACC43538-E1DB-447C-97FC-C168A456B3AE}" type="slidenum">
+            <a:fld id="{FE5F20F4-AE1D-4AEC-AC29-B93402830956}" type="slidenum">
               <a:rPr lang="zh-CN" altLang="en-US" smtClean="0"/>
               <a:t>‹#›</a:t>
             </a:fld>
@@ -2726,7 +2726,7 @@
     </p:spTree>
     <p:extLst>
       <p:ext uri="{BB962C8B-B14F-4D97-AF65-F5344CB8AC3E}">
-        <p14:creationId xmlns:p14="http://schemas.microsoft.com/office/powerpoint/2010/main" val="3647318085"/>
+        <p14:creationId xmlns:p14="http://schemas.microsoft.com/office/powerpoint/2010/main" val="1499969766"/>
       </p:ext>
     </p:extLst>
   </p:cSld>
@@ -2763,7 +2763,7 @@
           <p:cNvPr id="2" name="标题占位符 1">
             <a:extLst>
               <a:ext uri="{FF2B5EF4-FFF2-40B4-BE49-F238E27FC236}">
-                <a16:creationId xmlns:a16="http://schemas.microsoft.com/office/drawing/2014/main" id="{A6B7470A-3426-7FE9-3C2D-7AAF49655DB9}"/>
+                <a16:creationId xmlns:a16="http://schemas.microsoft.com/office/drawing/2014/main" id="{0F3E93F6-F21E-8175-8856-D7B23D9AD4DD}"/>
               </a:ext>
             </a:extLst>
           </p:cNvPr>
@@ -2801,7 +2801,7 @@
           <p:cNvPr id="3" name="文本占位符 2">
             <a:extLst>
               <a:ext uri="{FF2B5EF4-FFF2-40B4-BE49-F238E27FC236}">
-                <a16:creationId xmlns:a16="http://schemas.microsoft.com/office/drawing/2014/main" id="{8A5095CB-522D-B18C-E616-C10B48B39B03}"/>
+                <a16:creationId xmlns:a16="http://schemas.microsoft.com/office/drawing/2014/main" id="{80B7FB2C-AEC2-56ED-DCF4-0112B3E33E58}"/>
               </a:ext>
             </a:extLst>
           </p:cNvPr>
@@ -2868,7 +2868,7 @@
           <p:cNvPr id="4" name="日期占位符 3">
             <a:extLst>
               <a:ext uri="{FF2B5EF4-FFF2-40B4-BE49-F238E27FC236}">
-                <a16:creationId xmlns:a16="http://schemas.microsoft.com/office/drawing/2014/main" id="{100B977B-C2B2-A6F3-7A36-8382D4313332}"/>
+                <a16:creationId xmlns:a16="http://schemas.microsoft.com/office/drawing/2014/main" id="{E19B1101-52EF-5B79-451E-FB6E7AD19B1C}"/>
               </a:ext>
             </a:extLst>
           </p:cNvPr>
@@ -2902,7 +2902,7 @@
             </a:lvl1pPr>
           </a:lstStyle>
           <a:p>
-            <a:fld id="{F969DD0D-9BAF-459C-A65A-60378F6176FD}" type="datetimeFigureOut">
+            <a:fld id="{08AFDF9A-F6F8-4FE6-9A26-46230180D45D}" type="datetimeFigureOut">
               <a:rPr lang="zh-CN" altLang="en-US" smtClean="0"/>
               <a:t>2024/3/10</a:t>
             </a:fld>
@@ -2915,7 +2915,7 @@
           <p:cNvPr id="5" name="页脚占位符 4">
             <a:extLst>
               <a:ext uri="{FF2B5EF4-FFF2-40B4-BE49-F238E27FC236}">
-                <a16:creationId xmlns:a16="http://schemas.microsoft.com/office/drawing/2014/main" id="{20104B6D-C1E0-25CF-28DA-63484D0E60E2}"/>
+                <a16:creationId xmlns:a16="http://schemas.microsoft.com/office/drawing/2014/main" id="{4C698142-900B-44AF-3FAB-4D7D585C2305}"/>
               </a:ext>
             </a:extLst>
           </p:cNvPr>
@@ -2958,7 +2958,7 @@
           <p:cNvPr id="6" name="灯片编号占位符 5">
             <a:extLst>
               <a:ext uri="{FF2B5EF4-FFF2-40B4-BE49-F238E27FC236}">
-                <a16:creationId xmlns:a16="http://schemas.microsoft.com/office/drawing/2014/main" id="{1FB1CE0B-3CD7-C043-DAC0-EB6B2D841DC5}"/>
+                <a16:creationId xmlns:a16="http://schemas.microsoft.com/office/drawing/2014/main" id="{9C9DF0B2-7B45-3BE5-9CD5-E53239AB7325}"/>
               </a:ext>
             </a:extLst>
           </p:cNvPr>
@@ -2992,7 +2992,7 @@
             </a:lvl1pPr>
           </a:lstStyle>
           <a:p>
-            <a:fld id="{ACC43538-E1DB-447C-97FC-C168A456B3AE}" type="slidenum">
+            <a:fld id="{FE5F20F4-AE1D-4AEC-AC29-B93402830956}" type="slidenum">
               <a:rPr lang="zh-CN" altLang="en-US" smtClean="0"/>
               <a:t>‹#›</a:t>
             </a:fld>
@@ -3003,7 +3003,7 @@
     </p:spTree>
     <p:extLst>
       <p:ext uri="{BB962C8B-B14F-4D97-AF65-F5344CB8AC3E}">
-        <p14:creationId xmlns:p14="http://schemas.microsoft.com/office/powerpoint/2010/main" val="579810776"/>
+        <p14:creationId xmlns:p14="http://schemas.microsoft.com/office/powerpoint/2010/main" val="4005722396"/>
       </p:ext>
     </p:extLst>
   </p:cSld>
